--- a/teaching/CS472-Spring2023/Timetable/Testing.pptx
+++ b/teaching/CS472-Spring2023/Timetable/Testing.pptx
@@ -211,7 +211,7 @@
           <a:p>
             <a:fld id="{C5D6E49F-2095-0B40-AFFF-DDA00854E507}" type="datetimeFigureOut">
               <a:rPr lang="en-BE" smtClean="0"/>
-              <a:t>13/01/2023</a:t>
+              <a:t>21/01/2023</a:t>
             </a:fld>
             <a:endParaRPr lang="en-BE"/>
           </a:p>
@@ -537,6 +537,16 @@
               <a:t>The different testing techniques like Unit tests, Integration tests, system tests, and acceptance tests use dynamic testing.</a:t>
             </a:r>
           </a:p>
+          <a:p>
+            <a:endParaRPr lang="en-BE" dirty="0"/>
+          </a:p>
+          <a:p>
+            <a:r>
+              <a:rPr lang="en-GB" dirty="0"/>
+              <a:t>Experience has shown that the total costs regarding implementation and maintenance of tests increase toward the top of the pyramid.</a:t>
+            </a:r>
+            <a:endParaRPr lang="en-BE" dirty="0"/>
+          </a:p>
         </p:txBody>
       </p:sp>
       <p:sp>
@@ -1698,7 +1708,7 @@
           <a:p>
             <a:fld id="{BECEB08D-ED1C-E34B-8682-041F4EDD7C1D}" type="datetimeFigureOut">
               <a:rPr lang="en-BE" smtClean="0"/>
-              <a:t>13/01/2023</a:t>
+              <a:t>21/01/2023</a:t>
             </a:fld>
             <a:endParaRPr lang="en-BE"/>
           </a:p>
@@ -1898,7 +1908,7 @@
           <a:p>
             <a:fld id="{BECEB08D-ED1C-E34B-8682-041F4EDD7C1D}" type="datetimeFigureOut">
               <a:rPr lang="en-BE" smtClean="0"/>
-              <a:t>13/01/2023</a:t>
+              <a:t>21/01/2023</a:t>
             </a:fld>
             <a:endParaRPr lang="en-BE"/>
           </a:p>
@@ -2108,7 +2118,7 @@
           <a:p>
             <a:fld id="{BECEB08D-ED1C-E34B-8682-041F4EDD7C1D}" type="datetimeFigureOut">
               <a:rPr lang="en-BE" smtClean="0"/>
-              <a:t>13/01/2023</a:t>
+              <a:t>21/01/2023</a:t>
             </a:fld>
             <a:endParaRPr lang="en-BE"/>
           </a:p>
@@ -2308,7 +2318,7 @@
           <a:p>
             <a:fld id="{BECEB08D-ED1C-E34B-8682-041F4EDD7C1D}" type="datetimeFigureOut">
               <a:rPr lang="en-BE" smtClean="0"/>
-              <a:t>13/01/2023</a:t>
+              <a:t>21/01/2023</a:t>
             </a:fld>
             <a:endParaRPr lang="en-BE"/>
           </a:p>
@@ -2584,7 +2594,7 @@
           <a:p>
             <a:fld id="{BECEB08D-ED1C-E34B-8682-041F4EDD7C1D}" type="datetimeFigureOut">
               <a:rPr lang="en-BE" smtClean="0"/>
-              <a:t>13/01/2023</a:t>
+              <a:t>21/01/2023</a:t>
             </a:fld>
             <a:endParaRPr lang="en-BE"/>
           </a:p>
@@ -2852,7 +2862,7 @@
           <a:p>
             <a:fld id="{BECEB08D-ED1C-E34B-8682-041F4EDD7C1D}" type="datetimeFigureOut">
               <a:rPr lang="en-BE" smtClean="0"/>
-              <a:t>13/01/2023</a:t>
+              <a:t>21/01/2023</a:t>
             </a:fld>
             <a:endParaRPr lang="en-BE"/>
           </a:p>
@@ -3267,7 +3277,7 @@
           <a:p>
             <a:fld id="{BECEB08D-ED1C-E34B-8682-041F4EDD7C1D}" type="datetimeFigureOut">
               <a:rPr lang="en-BE" smtClean="0"/>
-              <a:t>13/01/2023</a:t>
+              <a:t>21/01/2023</a:t>
             </a:fld>
             <a:endParaRPr lang="en-BE"/>
           </a:p>
@@ -3409,7 +3419,7 @@
           <a:p>
             <a:fld id="{BECEB08D-ED1C-E34B-8682-041F4EDD7C1D}" type="datetimeFigureOut">
               <a:rPr lang="en-BE" smtClean="0"/>
-              <a:t>13/01/2023</a:t>
+              <a:t>21/01/2023</a:t>
             </a:fld>
             <a:endParaRPr lang="en-BE"/>
           </a:p>
@@ -3522,7 +3532,7 @@
           <a:p>
             <a:fld id="{BECEB08D-ED1C-E34B-8682-041F4EDD7C1D}" type="datetimeFigureOut">
               <a:rPr lang="en-BE" smtClean="0"/>
-              <a:t>13/01/2023</a:t>
+              <a:t>21/01/2023</a:t>
             </a:fld>
             <a:endParaRPr lang="en-BE"/>
           </a:p>
@@ -3835,7 +3845,7 @@
           <a:p>
             <a:fld id="{BECEB08D-ED1C-E34B-8682-041F4EDD7C1D}" type="datetimeFigureOut">
               <a:rPr lang="en-BE" smtClean="0"/>
-              <a:t>13/01/2023</a:t>
+              <a:t>21/01/2023</a:t>
             </a:fld>
             <a:endParaRPr lang="en-BE"/>
           </a:p>
@@ -4124,7 +4134,7 @@
           <a:p>
             <a:fld id="{BECEB08D-ED1C-E34B-8682-041F4EDD7C1D}" type="datetimeFigureOut">
               <a:rPr lang="en-BE" smtClean="0"/>
-              <a:t>13/01/2023</a:t>
+              <a:t>21/01/2023</a:t>
             </a:fld>
             <a:endParaRPr lang="en-BE"/>
           </a:p>
@@ -4367,7 +4377,7 @@
           <a:p>
             <a:fld id="{BECEB08D-ED1C-E34B-8682-041F4EDD7C1D}" type="datetimeFigureOut">
               <a:rPr lang="en-BE" smtClean="0"/>
-              <a:t>13/01/2023</a:t>
+              <a:t>21/01/2023</a:t>
             </a:fld>
             <a:endParaRPr lang="en-BE"/>
           </a:p>
@@ -6663,6 +6673,35 @@
           </a:p>
         </p:txBody>
       </p:sp>
+      <p:pic>
+        <p:nvPicPr>
+          <p:cNvPr id="5" name="Picture 4" descr="Diagram&#10;&#10;Description automatically generated">
+            <a:extLst>
+              <a:ext uri="{FF2B5EF4-FFF2-40B4-BE49-F238E27FC236}">
+                <a16:creationId xmlns:a16="http://schemas.microsoft.com/office/drawing/2014/main" id="{869A0380-EE73-9C97-D793-04932855BC05}"/>
+              </a:ext>
+            </a:extLst>
+          </p:cNvPr>
+          <p:cNvPicPr>
+            <a:picLocks noChangeAspect="1"/>
+          </p:cNvPicPr>
+          <p:nvPr/>
+        </p:nvPicPr>
+        <p:blipFill rotWithShape="1">
+          <a:blip r:embed="rId3"/>
+          <a:srcRect t="7459"/>
+          <a:stretch/>
+        </p:blipFill>
+        <p:spPr>
+          <a:xfrm>
+            <a:off x="3766457" y="4093029"/>
+            <a:ext cx="4019242" cy="2588531"/>
+          </a:xfrm>
+          <a:prstGeom prst="rect">
+            <a:avLst/>
+          </a:prstGeom>
+        </p:spPr>
+      </p:pic>
     </p:spTree>
     <p:extLst>
       <p:ext uri="{BB962C8B-B14F-4D97-AF65-F5344CB8AC3E}">
